--- a/2310.18961v10-AnomlyClip.pptx
+++ b/2310.18961v10-AnomlyClip.pptx
@@ -31,6 +31,7 @@
     <p:sldId id="279" r:id="rId25"/>
     <p:sldId id="280" r:id="rId26"/>
     <p:sldId id="281" r:id="rId27"/>
+    <p:sldId id="282" r:id="rId28"/>
   </p:sldIdLst>
   <p:sldSz cx="12192000" cy="6858000"/>
   <p:notesSz cx="6858000" cy="9144000"/>
@@ -284,7 +285,7 @@
           <a:p>
             <a:fld id="{CFCA5FD5-C755-4387-A7C0-0B63841EA87B}" type="datetimeFigureOut">
               <a:rPr lang="zh-CN" altLang="en-US" smtClean="0"/>
-              <a:t>2025/9/12</a:t>
+              <a:t>2025/9/14</a:t>
             </a:fld>
             <a:endParaRPr lang="zh-CN" altLang="en-US"/>
           </a:p>
@@ -482,7 +483,7 @@
           <a:p>
             <a:fld id="{CFCA5FD5-C755-4387-A7C0-0B63841EA87B}" type="datetimeFigureOut">
               <a:rPr lang="zh-CN" altLang="en-US" smtClean="0"/>
-              <a:t>2025/9/12</a:t>
+              <a:t>2025/9/14</a:t>
             </a:fld>
             <a:endParaRPr lang="zh-CN" altLang="en-US"/>
           </a:p>
@@ -690,7 +691,7 @@
           <a:p>
             <a:fld id="{CFCA5FD5-C755-4387-A7C0-0B63841EA87B}" type="datetimeFigureOut">
               <a:rPr lang="zh-CN" altLang="en-US" smtClean="0"/>
-              <a:t>2025/9/12</a:t>
+              <a:t>2025/9/14</a:t>
             </a:fld>
             <a:endParaRPr lang="zh-CN" altLang="en-US"/>
           </a:p>
@@ -888,7 +889,7 @@
           <a:p>
             <a:fld id="{CFCA5FD5-C755-4387-A7C0-0B63841EA87B}" type="datetimeFigureOut">
               <a:rPr lang="zh-CN" altLang="en-US" smtClean="0"/>
-              <a:t>2025/9/12</a:t>
+              <a:t>2025/9/14</a:t>
             </a:fld>
             <a:endParaRPr lang="zh-CN" altLang="en-US"/>
           </a:p>
@@ -1163,7 +1164,7 @@
           <a:p>
             <a:fld id="{CFCA5FD5-C755-4387-A7C0-0B63841EA87B}" type="datetimeFigureOut">
               <a:rPr lang="zh-CN" altLang="en-US" smtClean="0"/>
-              <a:t>2025/9/12</a:t>
+              <a:t>2025/9/14</a:t>
             </a:fld>
             <a:endParaRPr lang="zh-CN" altLang="en-US"/>
           </a:p>
@@ -1428,7 +1429,7 @@
           <a:p>
             <a:fld id="{CFCA5FD5-C755-4387-A7C0-0B63841EA87B}" type="datetimeFigureOut">
               <a:rPr lang="zh-CN" altLang="en-US" smtClean="0"/>
-              <a:t>2025/9/12</a:t>
+              <a:t>2025/9/14</a:t>
             </a:fld>
             <a:endParaRPr lang="zh-CN" altLang="en-US"/>
           </a:p>
@@ -1840,7 +1841,7 @@
           <a:p>
             <a:fld id="{CFCA5FD5-C755-4387-A7C0-0B63841EA87B}" type="datetimeFigureOut">
               <a:rPr lang="zh-CN" altLang="en-US" smtClean="0"/>
-              <a:t>2025/9/12</a:t>
+              <a:t>2025/9/14</a:t>
             </a:fld>
             <a:endParaRPr lang="zh-CN" altLang="en-US"/>
           </a:p>
@@ -1981,7 +1982,7 @@
           <a:p>
             <a:fld id="{CFCA5FD5-C755-4387-A7C0-0B63841EA87B}" type="datetimeFigureOut">
               <a:rPr lang="zh-CN" altLang="en-US" smtClean="0"/>
-              <a:t>2025/9/12</a:t>
+              <a:t>2025/9/14</a:t>
             </a:fld>
             <a:endParaRPr lang="zh-CN" altLang="en-US"/>
           </a:p>
@@ -2094,7 +2095,7 @@
           <a:p>
             <a:fld id="{CFCA5FD5-C755-4387-A7C0-0B63841EA87B}" type="datetimeFigureOut">
               <a:rPr lang="zh-CN" altLang="en-US" smtClean="0"/>
-              <a:t>2025/9/12</a:t>
+              <a:t>2025/9/14</a:t>
             </a:fld>
             <a:endParaRPr lang="zh-CN" altLang="en-US"/>
           </a:p>
@@ -2405,7 +2406,7 @@
           <a:p>
             <a:fld id="{CFCA5FD5-C755-4387-A7C0-0B63841EA87B}" type="datetimeFigureOut">
               <a:rPr lang="zh-CN" altLang="en-US" smtClean="0"/>
-              <a:t>2025/9/12</a:t>
+              <a:t>2025/9/14</a:t>
             </a:fld>
             <a:endParaRPr lang="zh-CN" altLang="en-US"/>
           </a:p>
@@ -2693,7 +2694,7 @@
           <a:p>
             <a:fld id="{CFCA5FD5-C755-4387-A7C0-0B63841EA87B}" type="datetimeFigureOut">
               <a:rPr lang="zh-CN" altLang="en-US" smtClean="0"/>
-              <a:t>2025/9/12</a:t>
+              <a:t>2025/9/14</a:t>
             </a:fld>
             <a:endParaRPr lang="zh-CN" altLang="en-US"/>
           </a:p>
@@ -2934,7 +2935,7 @@
           <a:p>
             <a:fld id="{CFCA5FD5-C755-4387-A7C0-0B63841EA87B}" type="datetimeFigureOut">
               <a:rPr lang="zh-CN" altLang="en-US" smtClean="0"/>
-              <a:t>2025/9/12</a:t>
+              <a:t>2025/9/14</a:t>
             </a:fld>
             <a:endParaRPr lang="zh-CN" altLang="en-US"/>
           </a:p>
@@ -30344,6 +30345,164 @@
 </p:sld>
 </file>
 
+<file path=ppt/slides/slide27.xml><?xml version="1.0" encoding="utf-8"?>
+<p:sld xmlns:a="http://schemas.openxmlformats.org/drawingml/2006/main" xmlns:r="http://schemas.openxmlformats.org/officeDocument/2006/relationships" xmlns:p="http://schemas.openxmlformats.org/presentationml/2006/main">
+  <p:cSld>
+    <p:spTree>
+      <p:nvGrpSpPr>
+        <p:cNvPr id="1" name=""/>
+        <p:cNvGrpSpPr/>
+        <p:nvPr/>
+      </p:nvGrpSpPr>
+      <p:grpSpPr>
+        <a:xfrm>
+          <a:off x="0" y="0"/>
+          <a:ext cx="0" cy="0"/>
+          <a:chOff x="0" y="0"/>
+          <a:chExt cx="0" cy="0"/>
+        </a:xfrm>
+      </p:grpSpPr>
+      <p:sp>
+        <p:nvSpPr>
+          <p:cNvPr id="2" name="标题 1">
+            <a:extLst>
+              <a:ext uri="{FF2B5EF4-FFF2-40B4-BE49-F238E27FC236}">
+                <a16:creationId xmlns:a16="http://schemas.microsoft.com/office/drawing/2014/main" id="{21365027-7BDE-F03D-169E-0E52CDDA3326}"/>
+              </a:ext>
+            </a:extLst>
+          </p:cNvPr>
+          <p:cNvSpPr>
+            <a:spLocks noGrp="1"/>
+          </p:cNvSpPr>
+          <p:nvPr>
+            <p:ph type="title"/>
+          </p:nvPr>
+        </p:nvSpPr>
+        <p:spPr>
+          <a:xfrm>
+            <a:off x="0" y="457200"/>
+            <a:ext cx="2211858" cy="1600200"/>
+          </a:xfrm>
+        </p:spPr>
+        <p:txBody>
+          <a:bodyPr/>
+          <a:lstStyle/>
+          <a:p>
+            <a:r>
+              <a:rPr lang="zh-CN" altLang="en-US" dirty="0"/>
+              <a:t>代码</a:t>
+            </a:r>
+          </a:p>
+        </p:txBody>
+      </p:sp>
+      <p:sp>
+        <p:nvSpPr>
+          <p:cNvPr id="3" name="内容占位符 2">
+            <a:extLst>
+              <a:ext uri="{FF2B5EF4-FFF2-40B4-BE49-F238E27FC236}">
+                <a16:creationId xmlns:a16="http://schemas.microsoft.com/office/drawing/2014/main" id="{632E8EBC-FE3B-ED98-0E39-6A5C4AD5E48F}"/>
+              </a:ext>
+            </a:extLst>
+          </p:cNvPr>
+          <p:cNvSpPr>
+            <a:spLocks noGrp="1"/>
+          </p:cNvSpPr>
+          <p:nvPr>
+            <p:ph idx="1"/>
+          </p:nvPr>
+        </p:nvSpPr>
+        <p:spPr>
+          <a:xfrm>
+            <a:off x="2211859" y="1"/>
+            <a:ext cx="9980141" cy="6857999"/>
+          </a:xfrm>
+        </p:spPr>
+        <p:txBody>
+          <a:bodyPr>
+            <a:normAutofit/>
+          </a:bodyPr>
+          <a:lstStyle/>
+          <a:p>
+            <a:r>
+              <a:rPr lang="zh-CN" altLang="en-US" sz="2000" dirty="0">
+                <a:solidFill>
+                  <a:srgbClr val="000000"/>
+                </a:solidFill>
+                <a:highlight>
+                  <a:srgbClr val="FFFFFF"/>
+                </a:highlight>
+              </a:rPr>
+              <a:t>基本跟测试一摸一样，这里就不在进行赘述</a:t>
+            </a:r>
+            <a:endParaRPr lang="en-US" altLang="zh-CN" sz="2000" dirty="0">
+              <a:solidFill>
+                <a:srgbClr val="000000"/>
+              </a:solidFill>
+              <a:highlight>
+                <a:srgbClr val="FFFFFF"/>
+              </a:highlight>
+            </a:endParaRPr>
+          </a:p>
+        </p:txBody>
+      </p:sp>
+      <p:sp>
+        <p:nvSpPr>
+          <p:cNvPr id="4" name="文本占位符 3">
+            <a:extLst>
+              <a:ext uri="{FF2B5EF4-FFF2-40B4-BE49-F238E27FC236}">
+                <a16:creationId xmlns:a16="http://schemas.microsoft.com/office/drawing/2014/main" id="{17BA9A15-B09D-899F-BBC4-C4AB783D865A}"/>
+              </a:ext>
+            </a:extLst>
+          </p:cNvPr>
+          <p:cNvSpPr>
+            <a:spLocks noGrp="1"/>
+          </p:cNvSpPr>
+          <p:nvPr>
+            <p:ph type="body" sz="half" idx="2"/>
+          </p:nvPr>
+        </p:nvSpPr>
+        <p:spPr>
+          <a:xfrm>
+            <a:off x="1" y="2057400"/>
+            <a:ext cx="2211858" cy="3811588"/>
+          </a:xfrm>
+        </p:spPr>
+        <p:txBody>
+          <a:bodyPr/>
+          <a:lstStyle/>
+          <a:p>
+            <a:r>
+              <a:rPr lang="zh-CN" altLang="en-US" dirty="0"/>
+              <a:t>测试过程</a:t>
+            </a:r>
+            <a:endParaRPr lang="en-US" altLang="zh-CN" dirty="0"/>
+          </a:p>
+          <a:p>
+            <a:r>
+              <a:rPr lang="en-US" altLang="zh-CN" dirty="0"/>
+              <a:t>1.</a:t>
+            </a:r>
+            <a:r>
+              <a:rPr lang="zh-CN" altLang="en-US" dirty="0"/>
+              <a:t>图像级损失计算</a:t>
+            </a:r>
+            <a:endParaRPr lang="en-US" altLang="zh-CN" dirty="0"/>
+          </a:p>
+        </p:txBody>
+      </p:sp>
+    </p:spTree>
+    <p:extLst>
+      <p:ext uri="{BB962C8B-B14F-4D97-AF65-F5344CB8AC3E}">
+        <p14:creationId xmlns:p14="http://schemas.microsoft.com/office/powerpoint/2010/main" val="1626382970"/>
+      </p:ext>
+    </p:extLst>
+  </p:cSld>
+  <p:clrMapOvr>
+    <a:masterClrMapping/>
+  </p:clrMapOvr>
+</p:sld>
+</file>
+
 <file path=ppt/slides/slide3.xml><?xml version="1.0" encoding="utf-8"?>
 <p:sld xmlns:a="http://schemas.openxmlformats.org/drawingml/2006/main" xmlns:r="http://schemas.openxmlformats.org/officeDocument/2006/relationships" xmlns:p="http://schemas.openxmlformats.org/presentationml/2006/main">
   <p:cSld>

--- a/2310.18961v10-AnomlyClip.pptx
+++ b/2310.18961v10-AnomlyClip.pptx
@@ -285,7 +285,7 @@
           <a:p>
             <a:fld id="{CFCA5FD5-C755-4387-A7C0-0B63841EA87B}" type="datetimeFigureOut">
               <a:rPr lang="zh-CN" altLang="en-US" smtClean="0"/>
-              <a:t>2025/9/14</a:t>
+              <a:t>2025/9/21</a:t>
             </a:fld>
             <a:endParaRPr lang="zh-CN" altLang="en-US"/>
           </a:p>
@@ -483,7 +483,7 @@
           <a:p>
             <a:fld id="{CFCA5FD5-C755-4387-A7C0-0B63841EA87B}" type="datetimeFigureOut">
               <a:rPr lang="zh-CN" altLang="en-US" smtClean="0"/>
-              <a:t>2025/9/14</a:t>
+              <a:t>2025/9/21</a:t>
             </a:fld>
             <a:endParaRPr lang="zh-CN" altLang="en-US"/>
           </a:p>
@@ -691,7 +691,7 @@
           <a:p>
             <a:fld id="{CFCA5FD5-C755-4387-A7C0-0B63841EA87B}" type="datetimeFigureOut">
               <a:rPr lang="zh-CN" altLang="en-US" smtClean="0"/>
-              <a:t>2025/9/14</a:t>
+              <a:t>2025/9/21</a:t>
             </a:fld>
             <a:endParaRPr lang="zh-CN" altLang="en-US"/>
           </a:p>
@@ -889,7 +889,7 @@
           <a:p>
             <a:fld id="{CFCA5FD5-C755-4387-A7C0-0B63841EA87B}" type="datetimeFigureOut">
               <a:rPr lang="zh-CN" altLang="en-US" smtClean="0"/>
-              <a:t>2025/9/14</a:t>
+              <a:t>2025/9/21</a:t>
             </a:fld>
             <a:endParaRPr lang="zh-CN" altLang="en-US"/>
           </a:p>
@@ -1164,7 +1164,7 @@
           <a:p>
             <a:fld id="{CFCA5FD5-C755-4387-A7C0-0B63841EA87B}" type="datetimeFigureOut">
               <a:rPr lang="zh-CN" altLang="en-US" smtClean="0"/>
-              <a:t>2025/9/14</a:t>
+              <a:t>2025/9/21</a:t>
             </a:fld>
             <a:endParaRPr lang="zh-CN" altLang="en-US"/>
           </a:p>
@@ -1429,7 +1429,7 @@
           <a:p>
             <a:fld id="{CFCA5FD5-C755-4387-A7C0-0B63841EA87B}" type="datetimeFigureOut">
               <a:rPr lang="zh-CN" altLang="en-US" smtClean="0"/>
-              <a:t>2025/9/14</a:t>
+              <a:t>2025/9/21</a:t>
             </a:fld>
             <a:endParaRPr lang="zh-CN" altLang="en-US"/>
           </a:p>
@@ -1841,7 +1841,7 @@
           <a:p>
             <a:fld id="{CFCA5FD5-C755-4387-A7C0-0B63841EA87B}" type="datetimeFigureOut">
               <a:rPr lang="zh-CN" altLang="en-US" smtClean="0"/>
-              <a:t>2025/9/14</a:t>
+              <a:t>2025/9/21</a:t>
             </a:fld>
             <a:endParaRPr lang="zh-CN" altLang="en-US"/>
           </a:p>
@@ -1982,7 +1982,7 @@
           <a:p>
             <a:fld id="{CFCA5FD5-C755-4387-A7C0-0B63841EA87B}" type="datetimeFigureOut">
               <a:rPr lang="zh-CN" altLang="en-US" smtClean="0"/>
-              <a:t>2025/9/14</a:t>
+              <a:t>2025/9/21</a:t>
             </a:fld>
             <a:endParaRPr lang="zh-CN" altLang="en-US"/>
           </a:p>
@@ -2095,7 +2095,7 @@
           <a:p>
             <a:fld id="{CFCA5FD5-C755-4387-A7C0-0B63841EA87B}" type="datetimeFigureOut">
               <a:rPr lang="zh-CN" altLang="en-US" smtClean="0"/>
-              <a:t>2025/9/14</a:t>
+              <a:t>2025/9/21</a:t>
             </a:fld>
             <a:endParaRPr lang="zh-CN" altLang="en-US"/>
           </a:p>
@@ -2406,7 +2406,7 @@
           <a:p>
             <a:fld id="{CFCA5FD5-C755-4387-A7C0-0B63841EA87B}" type="datetimeFigureOut">
               <a:rPr lang="zh-CN" altLang="en-US" smtClean="0"/>
-              <a:t>2025/9/14</a:t>
+              <a:t>2025/9/21</a:t>
             </a:fld>
             <a:endParaRPr lang="zh-CN" altLang="en-US"/>
           </a:p>
@@ -2694,7 +2694,7 @@
           <a:p>
             <a:fld id="{CFCA5FD5-C755-4387-A7C0-0B63841EA87B}" type="datetimeFigureOut">
               <a:rPr lang="zh-CN" altLang="en-US" smtClean="0"/>
-              <a:t>2025/9/14</a:t>
+              <a:t>2025/9/21</a:t>
             </a:fld>
             <a:endParaRPr lang="zh-CN" altLang="en-US"/>
           </a:p>
@@ -2935,7 +2935,7 @@
           <a:p>
             <a:fld id="{CFCA5FD5-C755-4387-A7C0-0B63841EA87B}" type="datetimeFigureOut">
               <a:rPr lang="zh-CN" altLang="en-US" smtClean="0"/>
-              <a:t>2025/9/14</a:t>
+              <a:t>2025/9/21</a:t>
             </a:fld>
             <a:endParaRPr lang="zh-CN" altLang="en-US"/>
           </a:p>
